--- a/Barrois_Kellian_3_kaban_022024.pptx
+++ b/Barrois_Kellian_3_kaban_022024.pptx
@@ -8341,51 +8341,6 @@
           </a:p>
         </p:txBody>
       </p:sp>
-      <p:sp>
-        <p:nvSpPr>
-          <p:cNvPr id="22" name="ZoneTexte 21">
-            <a:extLst>
-              <a:ext uri="{FF2B5EF4-FFF2-40B4-BE49-F238E27FC236}">
-                <a16:creationId xmlns:a16="http://schemas.microsoft.com/office/drawing/2014/main" id="{4ED85957-128E-45ED-A268-32D904F6B611}"/>
-              </a:ext>
-            </a:extLst>
-          </p:cNvPr>
-          <p:cNvSpPr txBox="1"/>
-          <p:nvPr/>
-        </p:nvSpPr>
-        <p:spPr>
-          <a:xfrm>
-            <a:off x="9780102" y="4074695"/>
-            <a:ext cx="2411898" cy="923330"/>
-          </a:xfrm>
-          <a:prstGeom prst="rect">
-            <a:avLst/>
-          </a:prstGeom>
-          <a:noFill/>
-        </p:spPr>
-        <p:txBody>
-          <a:bodyPr wrap="square" rtlCol="0">
-            <a:spAutoFit/>
-          </a:bodyPr>
-          <a:lstStyle/>
-          <a:p>
-            <a:pPr algn="l"/>
-            <a:r>
-              <a:rPr lang="fr-FR" b="0" i="0" dirty="0">
-                <a:solidFill>
-                  <a:srgbClr val="ECECEC"/>
-                </a:solidFill>
-                <a:effectLst/>
-                <a:latin typeface="Söhne"/>
-              </a:rPr>
-              <a:t>Invitation à poser des questions.</a:t>
-            </a:r>
-          </a:p>
-          <a:p>
-            <a:endParaRPr lang="fr-FR" dirty="0"/>
-          </a:p>
-        </p:txBody>
-      </p:sp>
       <p:pic>
         <p:nvPicPr>
           <p:cNvPr id="2" name="image1.png">
@@ -8805,10 +8760,10 @@
       </p:grpSpPr>
       <p:pic>
         <p:nvPicPr>
-          <p:cNvPr id="9" name="Image 8" descr="Une image contenant texte, capture d’écran, diagramme, Police&#10;&#10;Description générée automatiquement">
-            <a:extLst>
-              <a:ext uri="{FF2B5EF4-FFF2-40B4-BE49-F238E27FC236}">
-                <a16:creationId xmlns:a16="http://schemas.microsoft.com/office/drawing/2014/main" id="{56CD62E3-5FD0-D64F-2C48-BD89B717F185}"/>
+          <p:cNvPr id="7" name="Image 6" descr="Une image contenant texte, dessin, croquis, diagramme&#10;&#10;Description générée automatiquement">
+            <a:extLst>
+              <a:ext uri="{FF2B5EF4-FFF2-40B4-BE49-F238E27FC236}">
+                <a16:creationId xmlns:a16="http://schemas.microsoft.com/office/drawing/2014/main" id="{08BE50C7-2EDA-570C-85EE-09BD60BC94A1}"/>
               </a:ext>
             </a:extLst>
           </p:cNvPr>
@@ -8825,8 +8780,8 @@
         </p:blipFill>
         <p:spPr>
           <a:xfrm>
-            <a:off x="0" y="9950"/>
-            <a:ext cx="6436986" cy="5364155"/>
+            <a:off x="1" y="1"/>
+            <a:ext cx="6387704" cy="4787659"/>
           </a:xfrm>
           <a:prstGeom prst="rect">
             <a:avLst/>
@@ -8972,27 +8927,7 @@
                 <a:effectLst/>
                 <a:latin typeface="Söhne"/>
               </a:rPr>
-              <a:t>Principes de base du </a:t>
-            </a:r>
-            <a:r>
-              <a:rPr lang="fr-FR" b="0" i="0" dirty="0" err="1">
-                <a:solidFill>
-                  <a:srgbClr val="ECECEC"/>
-                </a:solidFill>
-                <a:effectLst/>
-                <a:latin typeface="Söhne"/>
-              </a:rPr>
-              <a:t>Kaban</a:t>
-            </a:r>
-            <a:r>
-              <a:rPr lang="fr-FR" b="0" i="0" dirty="0">
-                <a:solidFill>
-                  <a:srgbClr val="ECECEC"/>
-                </a:solidFill>
-                <a:effectLst/>
-                <a:latin typeface="Söhne"/>
-              </a:rPr>
-              <a:t> :Visualisation : Visualiser le flux de travail.</a:t>
+              <a:t>Visualisation : Visualiser le flux de travail.</a:t>
             </a:r>
           </a:p>
           <a:p>
@@ -10614,14 +10549,11 @@
                 <a:effectLst/>
                 <a:latin typeface="Söhne"/>
               </a:rPr>
-              <a:t>Trello est un outil de gestion de projet en ligne qui utilise des tableaux, des listes et des cartes pour aider les équipes à organiser et à prioriser leurs tâches de manière collaborative. Voici une explication simple de ses principales fonctionnalités :</a:t>
-            </a:r>
-          </a:p>
-          <a:p>
-            <a:pPr algn="l">
-              <a:buFont typeface="+mj-lt"/>
-              <a:buAutoNum type="arabicPeriod"/>
-            </a:pPr>
+              <a:t>Trello est un outil de gestion de projet en ligne qui utilise des tableaux, des listes et des cartes pour aider les équipes à organiser et à prioriser leurs tâches de manière collaborative. </a:t>
+            </a:r>
+          </a:p>
+          <a:p>
+            <a:pPr algn="l"/>
             <a:r>
               <a:rPr lang="fr-FR" b="1" i="0" dirty="0">
                 <a:solidFill>
@@ -10632,12 +10564,15 @@
               </a:rPr>
               <a:t>Tableaux </a:t>
             </a:r>
-          </a:p>
-          <a:p>
-            <a:pPr algn="l">
-              <a:buFont typeface="+mj-lt"/>
-              <a:buAutoNum type="arabicPeriod"/>
-            </a:pPr>
+            <a:endParaRPr lang="fr-FR" b="1" dirty="0">
+              <a:solidFill>
+                <a:srgbClr val="ECECEC"/>
+              </a:solidFill>
+              <a:latin typeface="Söhne"/>
+            </a:endParaRPr>
+          </a:p>
+          <a:p>
+            <a:pPr algn="l"/>
             <a:r>
               <a:rPr lang="fr-FR" b="1" i="0" dirty="0">
                 <a:solidFill>
@@ -10650,10 +10585,7 @@
             </a:r>
           </a:p>
           <a:p>
-            <a:pPr algn="l">
-              <a:buFont typeface="+mj-lt"/>
-              <a:buAutoNum type="arabicPeriod"/>
-            </a:pPr>
+            <a:pPr algn="l"/>
             <a:r>
               <a:rPr lang="fr-FR" b="1" i="0" dirty="0">
                 <a:solidFill>
@@ -10666,10 +10598,7 @@
             </a:r>
           </a:p>
           <a:p>
-            <a:pPr algn="l">
-              <a:buFont typeface="+mj-lt"/>
-              <a:buAutoNum type="arabicPeriod"/>
-            </a:pPr>
+            <a:pPr algn="l"/>
             <a:r>
               <a:rPr lang="fr-FR" b="1" i="0" dirty="0">
                 <a:solidFill>
@@ -10682,10 +10611,7 @@
             </a:r>
           </a:p>
           <a:p>
-            <a:pPr algn="l">
-              <a:buFont typeface="+mj-lt"/>
-              <a:buAutoNum type="arabicPeriod"/>
-            </a:pPr>
+            <a:pPr algn="l"/>
             <a:r>
               <a:rPr lang="fr-FR" b="1" i="0" dirty="0">
                 <a:solidFill>
@@ -10698,10 +10624,7 @@
             </a:r>
           </a:p>
           <a:p>
-            <a:pPr algn="l">
-              <a:buFont typeface="+mj-lt"/>
-              <a:buAutoNum type="arabicPeriod"/>
-            </a:pPr>
+            <a:pPr algn="l"/>
             <a:r>
               <a:rPr lang="fr-FR" b="1" i="0" dirty="0">
                 <a:solidFill>
@@ -10786,7 +10709,7 @@
         </p:blipFill>
         <p:spPr>
           <a:xfrm>
-            <a:off x="3622683" y="1869098"/>
+            <a:off x="4097136" y="1653437"/>
             <a:ext cx="4946633" cy="2187087"/>
           </a:xfrm>
           <a:prstGeom prst="rect">
@@ -12085,6 +12008,15 @@
 </file>
 
 <file path=customXml/item1.xml><?xml version="1.0" encoding="utf-8"?>
+<p:properties xmlns:p="http://schemas.microsoft.com/office/2006/metadata/properties" xmlns:xsi="http://www.w3.org/2001/XMLSchema-instance" xmlns:pc="http://schemas.microsoft.com/office/infopath/2007/PartnerControls">
+  <documentManagement>
+    <_ip_UnifiedCompliancePolicyUIAction xmlns="http://schemas.microsoft.com/sharepoint/v3" xsi:nil="true"/>
+    <_ip_UnifiedCompliancePolicyProperties xmlns="http://schemas.microsoft.com/sharepoint/v3" xsi:nil="true"/>
+  </documentManagement>
+</p:properties>
+</file>
+
+<file path=customXml/item2.xml><?xml version="1.0" encoding="utf-8"?>
 <ct:contentTypeSchema xmlns:ct="http://schemas.microsoft.com/office/2006/metadata/contentType" xmlns:ma="http://schemas.microsoft.com/office/2006/metadata/properties/metaAttributes" ct:_="" ma:_="" ma:contentTypeName="Document" ma:contentTypeID="0x010100DEEA25CC0A0AC24199CDC46C25B8B0BC" ma:contentTypeVersion="9" ma:contentTypeDescription="Create a new document." ma:contentTypeScope="" ma:versionID="76e25e1730b4532ab1d5e5b131a96a5a">
   <xsd:schema xmlns:xsd="http://www.w3.org/2001/XMLSchema" xmlns:xs="http://www.w3.org/2001/XMLSchema" xmlns:p="http://schemas.microsoft.com/office/2006/metadata/properties" xmlns:ns1="http://schemas.microsoft.com/sharepoint/v3" xmlns:ns2="6dc4bcd6-49db-4c07-9060-8acfc67cef9f" xmlns:ns3="fb0879af-3eba-417a-a55a-ffe6dcd6ca77" targetNamespace="http://schemas.microsoft.com/office/2006/metadata/properties" ma:root="true" ma:fieldsID="ad1e9281a84c4949647088091c718de3" ns1:_="" ns2:_="" ns3:_="">
     <xsd:import namespace="http://schemas.microsoft.com/sharepoint/v3"/>
@@ -12286,16 +12218,25 @@
 </ct:contentTypeSchema>
 </file>
 
-<file path=customXml/item2.xml><?xml version="1.0" encoding="utf-8"?>
-<p:properties xmlns:p="http://schemas.microsoft.com/office/2006/metadata/properties" xmlns:xsi="http://www.w3.org/2001/XMLSchema-instance" xmlns:pc="http://schemas.microsoft.com/office/infopath/2007/PartnerControls">
-  <documentManagement>
-    <_ip_UnifiedCompliancePolicyUIAction xmlns="http://schemas.microsoft.com/sharepoint/v3" xsi:nil="true"/>
-    <_ip_UnifiedCompliancePolicyProperties xmlns="http://schemas.microsoft.com/sharepoint/v3" xsi:nil="true"/>
-  </documentManagement>
-</p:properties>
+<file path=customXml/itemProps1.xml><?xml version="1.0" encoding="utf-8"?>
+<ds:datastoreItem xmlns:ds="http://schemas.openxmlformats.org/officeDocument/2006/customXml" ds:itemID="{EB2218FC-8412-44B9-9E82-D51F1F531141}">
+  <ds:schemaRefs>
+    <ds:schemaRef ds:uri="http://purl.org/dc/dcmitype/"/>
+    <ds:schemaRef ds:uri="6dc4bcd6-49db-4c07-9060-8acfc67cef9f"/>
+    <ds:schemaRef ds:uri="http://schemas.microsoft.com/office/2006/metadata/properties"/>
+    <ds:schemaRef ds:uri="http://schemas.microsoft.com/office/2006/documentManagement/types"/>
+    <ds:schemaRef ds:uri="http://schemas.microsoft.com/sharepoint/v3"/>
+    <ds:schemaRef ds:uri="http://www.w3.org/XML/1998/namespace"/>
+    <ds:schemaRef ds:uri="http://schemas.microsoft.com/office/infopath/2007/PartnerControls"/>
+    <ds:schemaRef ds:uri="http://purl.org/dc/elements/1.1/"/>
+    <ds:schemaRef ds:uri="http://schemas.openxmlformats.org/package/2006/metadata/core-properties"/>
+    <ds:schemaRef ds:uri="fb0879af-3eba-417a-a55a-ffe6dcd6ca77"/>
+    <ds:schemaRef ds:uri="http://purl.org/dc/terms/"/>
+  </ds:schemaRefs>
+</ds:datastoreItem>
 </file>
 
-<file path=customXml/itemProps1.xml><?xml version="1.0" encoding="utf-8"?>
+<file path=customXml/itemProps2.xml><?xml version="1.0" encoding="utf-8"?>
 <ds:datastoreItem xmlns:ds="http://schemas.openxmlformats.org/officeDocument/2006/customXml" ds:itemID="{B64A4C9D-F801-4923-BC6D-E0006F512331}">
   <ds:schemaRefs>
     <ds:schemaRef ds:uri="http://schemas.microsoft.com/office/2006/metadata/contentType"/>
@@ -12313,22 +12254,4 @@
     <ds:schemaRef ds:uri="http://schemas.microsoft.com/internal/obd"/>
   </ds:schemaRefs>
 </ds:datastoreItem>
-</file>
-
-<file path=customXml/itemProps2.xml><?xml version="1.0" encoding="utf-8"?>
-<ds:datastoreItem xmlns:ds="http://schemas.openxmlformats.org/officeDocument/2006/customXml" ds:itemID="{EB2218FC-8412-44B9-9E82-D51F1F531141}">
-  <ds:schemaRefs>
-    <ds:schemaRef ds:uri="http://purl.org/dc/dcmitype/"/>
-    <ds:schemaRef ds:uri="6dc4bcd6-49db-4c07-9060-8acfc67cef9f"/>
-    <ds:schemaRef ds:uri="http://schemas.microsoft.com/office/2006/metadata/properties"/>
-    <ds:schemaRef ds:uri="http://schemas.microsoft.com/office/2006/documentManagement/types"/>
-    <ds:schemaRef ds:uri="http://schemas.microsoft.com/sharepoint/v3"/>
-    <ds:schemaRef ds:uri="http://www.w3.org/XML/1998/namespace"/>
-    <ds:schemaRef ds:uri="http://schemas.microsoft.com/office/infopath/2007/PartnerControls"/>
-    <ds:schemaRef ds:uri="http://purl.org/dc/elements/1.1/"/>
-    <ds:schemaRef ds:uri="http://schemas.openxmlformats.org/package/2006/metadata/core-properties"/>
-    <ds:schemaRef ds:uri="fb0879af-3eba-417a-a55a-ffe6dcd6ca77"/>
-    <ds:schemaRef ds:uri="http://purl.org/dc/terms/"/>
-  </ds:schemaRefs>
-</ds:datastoreItem>
 </file>